--- a/modello logico/modello logico.pptx
+++ b/modello logico/modello logico.pptx
@@ -249,7 +249,7 @@
           <a:p>
             <a:fld id="{E39FA758-3CA8-4886-8D60-1A34E14D9217}" type="datetimeFigureOut">
               <a:rPr lang="it-IT" smtClean="0"/>
-              <a:t>21/06/2018</a:t>
+              <a:t>24/06/2018</a:t>
             </a:fld>
             <a:endParaRPr lang="it-IT" dirty="0"/>
           </a:p>
@@ -419,7 +419,7 @@
           <a:p>
             <a:fld id="{E39FA758-3CA8-4886-8D60-1A34E14D9217}" type="datetimeFigureOut">
               <a:rPr lang="it-IT" smtClean="0"/>
-              <a:t>21/06/2018</a:t>
+              <a:t>24/06/2018</a:t>
             </a:fld>
             <a:endParaRPr lang="it-IT" dirty="0"/>
           </a:p>
@@ -599,7 +599,7 @@
           <a:p>
             <a:fld id="{E39FA758-3CA8-4886-8D60-1A34E14D9217}" type="datetimeFigureOut">
               <a:rPr lang="it-IT" smtClean="0"/>
-              <a:t>21/06/2018</a:t>
+              <a:t>24/06/2018</a:t>
             </a:fld>
             <a:endParaRPr lang="it-IT" dirty="0"/>
           </a:p>
@@ -769,7 +769,7 @@
           <a:p>
             <a:fld id="{E39FA758-3CA8-4886-8D60-1A34E14D9217}" type="datetimeFigureOut">
               <a:rPr lang="it-IT" smtClean="0"/>
-              <a:t>21/06/2018</a:t>
+              <a:t>24/06/2018</a:t>
             </a:fld>
             <a:endParaRPr lang="it-IT" dirty="0"/>
           </a:p>
@@ -1013,7 +1013,7 @@
           <a:p>
             <a:fld id="{E39FA758-3CA8-4886-8D60-1A34E14D9217}" type="datetimeFigureOut">
               <a:rPr lang="it-IT" smtClean="0"/>
-              <a:t>21/06/2018</a:t>
+              <a:t>24/06/2018</a:t>
             </a:fld>
             <a:endParaRPr lang="it-IT" dirty="0"/>
           </a:p>
@@ -1245,7 +1245,7 @@
           <a:p>
             <a:fld id="{E39FA758-3CA8-4886-8D60-1A34E14D9217}" type="datetimeFigureOut">
               <a:rPr lang="it-IT" smtClean="0"/>
-              <a:t>21/06/2018</a:t>
+              <a:t>24/06/2018</a:t>
             </a:fld>
             <a:endParaRPr lang="it-IT" dirty="0"/>
           </a:p>
@@ -1612,7 +1612,7 @@
           <a:p>
             <a:fld id="{E39FA758-3CA8-4886-8D60-1A34E14D9217}" type="datetimeFigureOut">
               <a:rPr lang="it-IT" smtClean="0"/>
-              <a:t>21/06/2018</a:t>
+              <a:t>24/06/2018</a:t>
             </a:fld>
             <a:endParaRPr lang="it-IT" dirty="0"/>
           </a:p>
@@ -1730,7 +1730,7 @@
           <a:p>
             <a:fld id="{E39FA758-3CA8-4886-8D60-1A34E14D9217}" type="datetimeFigureOut">
               <a:rPr lang="it-IT" smtClean="0"/>
-              <a:t>21/06/2018</a:t>
+              <a:t>24/06/2018</a:t>
             </a:fld>
             <a:endParaRPr lang="it-IT" dirty="0"/>
           </a:p>
@@ -1825,7 +1825,7 @@
           <a:p>
             <a:fld id="{E39FA758-3CA8-4886-8D60-1A34E14D9217}" type="datetimeFigureOut">
               <a:rPr lang="it-IT" smtClean="0"/>
-              <a:t>21/06/2018</a:t>
+              <a:t>24/06/2018</a:t>
             </a:fld>
             <a:endParaRPr lang="it-IT" dirty="0"/>
           </a:p>
@@ -2102,7 +2102,7 @@
           <a:p>
             <a:fld id="{E39FA758-3CA8-4886-8D60-1A34E14D9217}" type="datetimeFigureOut">
               <a:rPr lang="it-IT" smtClean="0"/>
-              <a:t>21/06/2018</a:t>
+              <a:t>24/06/2018</a:t>
             </a:fld>
             <a:endParaRPr lang="it-IT" dirty="0"/>
           </a:p>
@@ -2359,7 +2359,7 @@
           <a:p>
             <a:fld id="{E39FA758-3CA8-4886-8D60-1A34E14D9217}" type="datetimeFigureOut">
               <a:rPr lang="it-IT" smtClean="0"/>
-              <a:t>21/06/2018</a:t>
+              <a:t>24/06/2018</a:t>
             </a:fld>
             <a:endParaRPr lang="it-IT" dirty="0"/>
           </a:p>
@@ -2572,7 +2572,7 @@
           <a:p>
             <a:fld id="{E39FA758-3CA8-4886-8D60-1A34E14D9217}" type="datetimeFigureOut">
               <a:rPr lang="it-IT" smtClean="0"/>
-              <a:t>21/06/2018</a:t>
+              <a:t>24/06/2018</a:t>
             </a:fld>
             <a:endParaRPr lang="it-IT" dirty="0"/>
           </a:p>
@@ -3135,7 +3135,15 @@
             </a:r>
             <a:r>
               <a:rPr lang="it-IT" dirty="0"/>
-              <a:t>, data_pubblicazione, numero_pagine, edizione, lingua)</a:t>
+              <a:t>, </a:t>
+            </a:r>
+            <a:r>
+              <a:rPr lang="it-IT" dirty="0" err="1"/>
+              <a:t>anno_pubblicazione</a:t>
+            </a:r>
+            <a:r>
+              <a:rPr lang="it-IT" dirty="0"/>
+              <a:t>, numero_pagine, edizione, lingua)</a:t>
             </a:r>
           </a:p>
           <a:p>
@@ -3161,7 +3169,15 @@
             </a:r>
             <a:r>
               <a:rPr lang="it-IT" dirty="0"/>
-              <a:t>, data_ristampa)</a:t>
+              <a:t>, </a:t>
+            </a:r>
+            <a:r>
+              <a:rPr lang="it-IT" dirty="0" err="1"/>
+              <a:t>anno_ristampa</a:t>
+            </a:r>
+            <a:r>
+              <a:rPr lang="it-IT" dirty="0"/>
+              <a:t>)</a:t>
             </a:r>
           </a:p>
           <a:p>
@@ -3257,7 +3273,15 @@
             </a:r>
             <a:r>
               <a:rPr lang="it-IT" dirty="0"/>
-              <a:t>, testo, data_recensione, ora, moderata)</a:t>
+              <a:t>, testo, </a:t>
+            </a:r>
+            <a:r>
+              <a:rPr lang="it-IT" dirty="0" err="1"/>
+              <a:t>data_ora</a:t>
+            </a:r>
+            <a:r>
+              <a:rPr lang="it-IT" dirty="0"/>
+              <a:t>, moderata)</a:t>
             </a:r>
           </a:p>
           <a:p>
@@ -3301,7 +3325,15 @@
             </a:r>
             <a:r>
               <a:rPr lang="it-IT" dirty="0"/>
-              <a:t>, data_like)</a:t>
+              <a:t>, </a:t>
+            </a:r>
+            <a:r>
+              <a:rPr lang="it-IT" dirty="0" err="1"/>
+              <a:t>data_ora</a:t>
+            </a:r>
+            <a:r>
+              <a:rPr lang="it-IT" dirty="0"/>
+              <a:t>)</a:t>
             </a:r>
           </a:p>
           <a:p>
@@ -3319,7 +3351,15 @@
             </a:r>
             <a:r>
               <a:rPr lang="it-IT" dirty="0"/>
-              <a:t>, id_utente, id_pubblicazione, timestamp, descrizione, tipo)</a:t>
+              <a:t>, id_utente, id_pubblicazione, </a:t>
+            </a:r>
+            <a:r>
+              <a:rPr lang="it-IT" dirty="0" err="1"/>
+              <a:t>data_ora</a:t>
+            </a:r>
+            <a:r>
+              <a:rPr lang="it-IT" dirty="0"/>
+              <a:t>, descrizione, tipo)</a:t>
             </a:r>
           </a:p>
         </p:txBody>
@@ -3591,11 +3631,11 @@
             <a:pPr lvl="1"/>
             <a:r>
               <a:rPr lang="it-IT" dirty="0" err="1"/>
-              <a:t>CharFormato</a:t>
-            </a:r>
-            <a:r>
-              <a:rPr lang="it-IT" dirty="0"/>
-              <a:t>: not null</a:t>
+              <a:t>Char</a:t>
+            </a:r>
+            <a:r>
+              <a:rPr lang="it-IT" dirty="0"/>
+              <a:t> Formato: not null</a:t>
             </a:r>
           </a:p>
           <a:p>

--- a/modello logico/modello logico.pptx
+++ b/modello logico/modello logico.pptx
@@ -249,7 +249,7 @@
           <a:p>
             <a:fld id="{E39FA758-3CA8-4886-8D60-1A34E14D9217}" type="datetimeFigureOut">
               <a:rPr lang="it-IT" smtClean="0"/>
-              <a:t>24/06/2018</a:t>
+              <a:t>27/06/2018</a:t>
             </a:fld>
             <a:endParaRPr lang="it-IT" dirty="0"/>
           </a:p>
@@ -419,7 +419,7 @@
           <a:p>
             <a:fld id="{E39FA758-3CA8-4886-8D60-1A34E14D9217}" type="datetimeFigureOut">
               <a:rPr lang="it-IT" smtClean="0"/>
-              <a:t>24/06/2018</a:t>
+              <a:t>27/06/2018</a:t>
             </a:fld>
             <a:endParaRPr lang="it-IT" dirty="0"/>
           </a:p>
@@ -599,7 +599,7 @@
           <a:p>
             <a:fld id="{E39FA758-3CA8-4886-8D60-1A34E14D9217}" type="datetimeFigureOut">
               <a:rPr lang="it-IT" smtClean="0"/>
-              <a:t>24/06/2018</a:t>
+              <a:t>27/06/2018</a:t>
             </a:fld>
             <a:endParaRPr lang="it-IT" dirty="0"/>
           </a:p>
@@ -769,7 +769,7 @@
           <a:p>
             <a:fld id="{E39FA758-3CA8-4886-8D60-1A34E14D9217}" type="datetimeFigureOut">
               <a:rPr lang="it-IT" smtClean="0"/>
-              <a:t>24/06/2018</a:t>
+              <a:t>27/06/2018</a:t>
             </a:fld>
             <a:endParaRPr lang="it-IT" dirty="0"/>
           </a:p>
@@ -1013,7 +1013,7 @@
           <a:p>
             <a:fld id="{E39FA758-3CA8-4886-8D60-1A34E14D9217}" type="datetimeFigureOut">
               <a:rPr lang="it-IT" smtClean="0"/>
-              <a:t>24/06/2018</a:t>
+              <a:t>27/06/2018</a:t>
             </a:fld>
             <a:endParaRPr lang="it-IT" dirty="0"/>
           </a:p>
@@ -1245,7 +1245,7 @@
           <a:p>
             <a:fld id="{E39FA758-3CA8-4886-8D60-1A34E14D9217}" type="datetimeFigureOut">
               <a:rPr lang="it-IT" smtClean="0"/>
-              <a:t>24/06/2018</a:t>
+              <a:t>27/06/2018</a:t>
             </a:fld>
             <a:endParaRPr lang="it-IT" dirty="0"/>
           </a:p>
@@ -1612,7 +1612,7 @@
           <a:p>
             <a:fld id="{E39FA758-3CA8-4886-8D60-1A34E14D9217}" type="datetimeFigureOut">
               <a:rPr lang="it-IT" smtClean="0"/>
-              <a:t>24/06/2018</a:t>
+              <a:t>27/06/2018</a:t>
             </a:fld>
             <a:endParaRPr lang="it-IT" dirty="0"/>
           </a:p>
@@ -1730,7 +1730,7 @@
           <a:p>
             <a:fld id="{E39FA758-3CA8-4886-8D60-1A34E14D9217}" type="datetimeFigureOut">
               <a:rPr lang="it-IT" smtClean="0"/>
-              <a:t>24/06/2018</a:t>
+              <a:t>27/06/2018</a:t>
             </a:fld>
             <a:endParaRPr lang="it-IT" dirty="0"/>
           </a:p>
@@ -1825,7 +1825,7 @@
           <a:p>
             <a:fld id="{E39FA758-3CA8-4886-8D60-1A34E14D9217}" type="datetimeFigureOut">
               <a:rPr lang="it-IT" smtClean="0"/>
-              <a:t>24/06/2018</a:t>
+              <a:t>27/06/2018</a:t>
             </a:fld>
             <a:endParaRPr lang="it-IT" dirty="0"/>
           </a:p>
@@ -2102,7 +2102,7 @@
           <a:p>
             <a:fld id="{E39FA758-3CA8-4886-8D60-1A34E14D9217}" type="datetimeFigureOut">
               <a:rPr lang="it-IT" smtClean="0"/>
-              <a:t>24/06/2018</a:t>
+              <a:t>27/06/2018</a:t>
             </a:fld>
             <a:endParaRPr lang="it-IT" dirty="0"/>
           </a:p>
@@ -2359,7 +2359,7 @@
           <a:p>
             <a:fld id="{E39FA758-3CA8-4886-8D60-1A34E14D9217}" type="datetimeFigureOut">
               <a:rPr lang="it-IT" smtClean="0"/>
-              <a:t>24/06/2018</a:t>
+              <a:t>27/06/2018</a:t>
             </a:fld>
             <a:endParaRPr lang="it-IT" dirty="0"/>
           </a:p>
@@ -2572,7 +2572,7 @@
           <a:p>
             <a:fld id="{E39FA758-3CA8-4886-8D60-1A34E14D9217}" type="datetimeFigureOut">
               <a:rPr lang="it-IT" smtClean="0"/>
-              <a:t>24/06/2018</a:t>
+              <a:t>27/06/2018</a:t>
             </a:fld>
             <a:endParaRPr lang="it-IT" dirty="0"/>
           </a:p>
@@ -3459,45 +3459,92 @@
             <a:pPr lvl="1"/>
             <a:r>
               <a:rPr lang="it-IT" dirty="0" err="1"/>
-              <a:t>Int</a:t>
-            </a:r>
-            <a:r>
-              <a:rPr lang="it-IT" dirty="0"/>
-              <a:t> Id: chiave primaria</a:t>
-            </a:r>
-          </a:p>
-          <a:p>
-            <a:pPr lvl="1"/>
-            <a:r>
-              <a:rPr lang="it-IT" dirty="0" err="1"/>
-              <a:t>Int</a:t>
-            </a:r>
-            <a:r>
-              <a:rPr lang="it-IT" dirty="0"/>
-              <a:t> Isbn: unique</a:t>
-            </a:r>
-          </a:p>
-          <a:p>
-            <a:pPr lvl="1"/>
-            <a:r>
-              <a:rPr lang="it-IT" dirty="0" err="1"/>
-              <a:t>Char</a:t>
-            </a:r>
-            <a:r>
-              <a:rPr lang="it-IT" dirty="0"/>
-              <a:t> Titolo: not null</a:t>
-            </a:r>
-          </a:p>
-          <a:p>
-            <a:pPr lvl="1"/>
-            <a:r>
-              <a:rPr lang="it-IT" dirty="0" err="1"/>
-              <a:t>Char</a:t>
-            </a:r>
-            <a:r>
-              <a:rPr lang="it-IT" dirty="0"/>
-              <a:t> Editore: not null</a:t>
-            </a:r>
+              <a:t>int</a:t>
+            </a:r>
+            <a:r>
+              <a:rPr lang="it-IT" dirty="0"/>
+              <a:t> </a:t>
+            </a:r>
+            <a:r>
+              <a:rPr lang="it-IT" dirty="0" err="1"/>
+              <a:t>unsigned</a:t>
+            </a:r>
+            <a:r>
+              <a:rPr lang="it-IT" dirty="0"/>
+              <a:t> id: chiave primaria</a:t>
+            </a:r>
+          </a:p>
+          <a:p>
+            <a:pPr lvl="1"/>
+            <a:r>
+              <a:rPr lang="it-IT" dirty="0" err="1"/>
+              <a:t>varchar</a:t>
+            </a:r>
+            <a:r>
+              <a:rPr lang="it-IT" dirty="0"/>
+              <a:t>() </a:t>
+            </a:r>
+            <a:r>
+              <a:rPr lang="it-IT" dirty="0" err="1"/>
+              <a:t>isbn</a:t>
+            </a:r>
+            <a:r>
+              <a:rPr lang="it-IT" dirty="0"/>
+              <a:t>: </a:t>
+            </a:r>
+            <a:r>
+              <a:rPr lang="it-IT" dirty="0" err="1"/>
+              <a:t>unique</a:t>
+            </a:r>
+            <a:endParaRPr lang="it-IT" dirty="0"/>
+          </a:p>
+          <a:p>
+            <a:pPr lvl="1"/>
+            <a:r>
+              <a:rPr lang="it-IT" dirty="0" err="1"/>
+              <a:t>varchar</a:t>
+            </a:r>
+            <a:r>
+              <a:rPr lang="it-IT" dirty="0"/>
+              <a:t>() titolo: </a:t>
+            </a:r>
+            <a:r>
+              <a:rPr lang="it-IT" dirty="0" err="1"/>
+              <a:t>not</a:t>
+            </a:r>
+            <a:r>
+              <a:rPr lang="it-IT" dirty="0"/>
+              <a:t> </a:t>
+            </a:r>
+            <a:r>
+              <a:rPr lang="it-IT" dirty="0" err="1"/>
+              <a:t>null</a:t>
+            </a:r>
+            <a:endParaRPr lang="it-IT" dirty="0"/>
+          </a:p>
+          <a:p>
+            <a:pPr lvl="1"/>
+            <a:r>
+              <a:rPr lang="it-IT" dirty="0" err="1"/>
+              <a:t>varchar</a:t>
+            </a:r>
+            <a:r>
+              <a:rPr lang="it-IT" dirty="0"/>
+              <a:t>() editore: </a:t>
+            </a:r>
+            <a:r>
+              <a:rPr lang="it-IT" dirty="0" err="1"/>
+              <a:t>not</a:t>
+            </a:r>
+            <a:r>
+              <a:rPr lang="it-IT" dirty="0"/>
+              <a:t> </a:t>
+            </a:r>
+            <a:r>
+              <a:rPr lang="it-IT" dirty="0" err="1"/>
+              <a:t>null</a:t>
+            </a:r>
+            <a:endParaRPr lang="it-IT" dirty="0"/>
           </a:p>
           <a:p>
             <a:r>
@@ -3509,33 +3556,49 @@
             <a:pPr lvl="1"/>
             <a:r>
               <a:rPr lang="it-IT" dirty="0" err="1"/>
-              <a:t>Int</a:t>
-            </a:r>
-            <a:r>
-              <a:rPr lang="it-IT" dirty="0"/>
-              <a:t> Id_pubblicazione: chiave primaria</a:t>
-            </a:r>
-          </a:p>
-          <a:p>
-            <a:pPr lvl="1"/>
-            <a:r>
-              <a:rPr lang="it-IT" dirty="0" err="1"/>
-              <a:t>CharTitolo</a:t>
-            </a:r>
-            <a:r>
-              <a:rPr lang="it-IT" dirty="0"/>
-              <a:t>:</a:t>
-            </a:r>
-          </a:p>
-          <a:p>
-            <a:pPr lvl="1"/>
-            <a:r>
-              <a:rPr lang="it-IT" dirty="0" err="1"/>
-              <a:t>Int</a:t>
-            </a:r>
-            <a:r>
-              <a:rPr lang="it-IT" dirty="0"/>
-              <a:t> Numero: chiave primaria</a:t>
+              <a:t>int</a:t>
+            </a:r>
+            <a:r>
+              <a:rPr lang="it-IT" dirty="0"/>
+              <a:t> </a:t>
+            </a:r>
+            <a:r>
+              <a:rPr lang="it-IT" dirty="0" err="1"/>
+              <a:t>unisgned</a:t>
+            </a:r>
+            <a:r>
+              <a:rPr lang="it-IT" dirty="0"/>
+              <a:t> </a:t>
+            </a:r>
+            <a:r>
+              <a:rPr lang="it-IT" dirty="0" err="1"/>
+              <a:t>id_pubblicazione</a:t>
+            </a:r>
+            <a:r>
+              <a:rPr lang="it-IT" dirty="0"/>
+              <a:t>: chiave primaria</a:t>
+            </a:r>
+          </a:p>
+          <a:p>
+            <a:pPr lvl="1"/>
+            <a:r>
+              <a:rPr lang="it-IT" dirty="0" err="1"/>
+              <a:t>varchar</a:t>
+            </a:r>
+            <a:r>
+              <a:rPr lang="it-IT" dirty="0"/>
+              <a:t>() titolo:</a:t>
+            </a:r>
+          </a:p>
+          <a:p>
+            <a:pPr lvl="1"/>
+            <a:r>
+              <a:rPr lang="it-IT" dirty="0" err="1"/>
+              <a:t>int</a:t>
+            </a:r>
+            <a:r>
+              <a:rPr lang="it-IT" dirty="0"/>
+              <a:t> numero: chiave primaria</a:t>
             </a:r>
           </a:p>
           <a:p>
@@ -3548,34 +3611,68 @@
             <a:pPr lvl="1"/>
             <a:r>
               <a:rPr lang="it-IT" dirty="0" err="1"/>
-              <a:t>Int</a:t>
-            </a:r>
-            <a:r>
-              <a:rPr lang="it-IT" dirty="0"/>
-              <a:t> Id: chiave primaria</a:t>
-            </a:r>
-          </a:p>
-          <a:p>
-            <a:pPr lvl="1"/>
-            <a:r>
-              <a:rPr lang="it-IT" dirty="0" err="1"/>
-              <a:t>Char</a:t>
-            </a:r>
-            <a:r>
-              <a:rPr lang="it-IT" dirty="0"/>
-              <a:t> Nome: not null</a:t>
-            </a:r>
-          </a:p>
-          <a:p>
-            <a:pPr lvl="1"/>
-            <a:r>
-              <a:rPr lang="it-IT" dirty="0" err="1"/>
-              <a:t>Char</a:t>
-            </a:r>
-            <a:r>
-              <a:rPr lang="it-IT" dirty="0"/>
-              <a:t> Cognome: not null</a:t>
-            </a:r>
+              <a:t>int</a:t>
+            </a:r>
+            <a:r>
+              <a:rPr lang="it-IT" dirty="0"/>
+              <a:t> id: chiave primaria</a:t>
+            </a:r>
+          </a:p>
+          <a:p>
+            <a:pPr lvl="1"/>
+            <a:r>
+              <a:rPr lang="it-IT" dirty="0" err="1"/>
+              <a:t>varchar</a:t>
+            </a:r>
+            <a:r>
+              <a:rPr lang="it-IT" dirty="0"/>
+              <a:t>()</a:t>
+            </a:r>
+            <a:r>
+              <a:rPr lang="it-IT" dirty="0" err="1"/>
+              <a:t>char</a:t>
+            </a:r>
+            <a:r>
+              <a:rPr lang="it-IT" dirty="0"/>
+              <a:t> nome: </a:t>
+            </a:r>
+            <a:r>
+              <a:rPr lang="it-IT" dirty="0" err="1"/>
+              <a:t>not</a:t>
+            </a:r>
+            <a:r>
+              <a:rPr lang="it-IT" dirty="0"/>
+              <a:t> </a:t>
+            </a:r>
+            <a:r>
+              <a:rPr lang="it-IT" dirty="0" err="1"/>
+              <a:t>null</a:t>
+            </a:r>
+            <a:endParaRPr lang="it-IT" dirty="0"/>
+          </a:p>
+          <a:p>
+            <a:pPr lvl="1"/>
+            <a:r>
+              <a:rPr lang="it-IT" dirty="0" err="1"/>
+              <a:t>varchar</a:t>
+            </a:r>
+            <a:r>
+              <a:rPr lang="it-IT" dirty="0"/>
+              <a:t>() cognome: </a:t>
+            </a:r>
+            <a:r>
+              <a:rPr lang="it-IT" dirty="0" err="1"/>
+              <a:t>not</a:t>
+            </a:r>
+            <a:r>
+              <a:rPr lang="it-IT" dirty="0"/>
+              <a:t> </a:t>
+            </a:r>
+            <a:r>
+              <a:rPr lang="it-IT" dirty="0" err="1"/>
+              <a:t>null</a:t>
+            </a:r>
+            <a:endParaRPr lang="it-IT" dirty="0"/>
           </a:p>
           <a:p>
             <a:r>
@@ -3587,67 +3684,148 @@
             <a:pPr lvl="1"/>
             <a:r>
               <a:rPr lang="it-IT" dirty="0" err="1"/>
-              <a:t>Int</a:t>
-            </a:r>
-            <a:r>
-              <a:rPr lang="it-IT" dirty="0"/>
-              <a:t> Id: chiave primaria</a:t>
-            </a:r>
-          </a:p>
-          <a:p>
-            <a:pPr lvl="1"/>
-            <a:r>
-              <a:rPr lang="it-IT" dirty="0" err="1"/>
-              <a:t>Int</a:t>
-            </a:r>
-            <a:r>
-              <a:rPr lang="it-IT" dirty="0"/>
-              <a:t> Id_pubblicazione: not null</a:t>
-            </a:r>
-          </a:p>
-          <a:p>
-            <a:pPr lvl="1"/>
-            <a:r>
-              <a:rPr lang="it-IT" dirty="0" err="1"/>
-              <a:t>Char</a:t>
-            </a:r>
-            <a:r>
-              <a:rPr lang="it-IT" dirty="0"/>
-              <a:t> Uri: unique, not null</a:t>
-            </a:r>
-          </a:p>
-          <a:p>
-            <a:pPr lvl="1"/>
-            <a:r>
-              <a:rPr lang="it-IT" dirty="0" err="1"/>
-              <a:t>Enum</a:t>
-            </a:r>
-            <a:r>
-              <a:rPr lang="it-IT" dirty="0"/>
-              <a:t> Tipo: not null</a:t>
-            </a:r>
-          </a:p>
-          <a:p>
-            <a:pPr lvl="1"/>
-            <a:r>
-              <a:rPr lang="it-IT" dirty="0" err="1"/>
-              <a:t>Char</a:t>
-            </a:r>
-            <a:r>
-              <a:rPr lang="it-IT" dirty="0"/>
-              <a:t> Formato: not null</a:t>
-            </a:r>
-          </a:p>
-          <a:p>
-            <a:pPr lvl="1"/>
-            <a:r>
-              <a:rPr lang="it-IT" dirty="0" err="1"/>
-              <a:t>Char</a:t>
-            </a:r>
-            <a:r>
-              <a:rPr lang="it-IT" dirty="0"/>
-              <a:t> Descrizione: not null</a:t>
-            </a:r>
+              <a:t>int</a:t>
+            </a:r>
+            <a:r>
+              <a:rPr lang="it-IT" dirty="0"/>
+              <a:t> id: chiave primaria</a:t>
+            </a:r>
+          </a:p>
+          <a:p>
+            <a:pPr lvl="1"/>
+            <a:r>
+              <a:rPr lang="it-IT" dirty="0" err="1"/>
+              <a:t>int</a:t>
+            </a:r>
+            <a:r>
+              <a:rPr lang="it-IT" dirty="0"/>
+              <a:t> </a:t>
+            </a:r>
+            <a:r>
+              <a:rPr lang="it-IT" dirty="0" err="1"/>
+              <a:t>id_pubblicazione</a:t>
+            </a:r>
+            <a:r>
+              <a:rPr lang="it-IT" dirty="0"/>
+              <a:t>: </a:t>
+            </a:r>
+            <a:r>
+              <a:rPr lang="it-IT" dirty="0" err="1"/>
+              <a:t>not</a:t>
+            </a:r>
+            <a:r>
+              <a:rPr lang="it-IT" dirty="0"/>
+              <a:t> </a:t>
+            </a:r>
+            <a:r>
+              <a:rPr lang="it-IT" dirty="0" err="1"/>
+              <a:t>null</a:t>
+            </a:r>
+            <a:endParaRPr lang="it-IT" dirty="0"/>
+          </a:p>
+          <a:p>
+            <a:pPr lvl="1"/>
+            <a:r>
+              <a:rPr lang="it-IT" dirty="0" err="1"/>
+              <a:t>varchar</a:t>
+            </a:r>
+            <a:r>
+              <a:rPr lang="it-IT" dirty="0"/>
+              <a:t>() uri: </a:t>
+            </a:r>
+            <a:r>
+              <a:rPr lang="it-IT" dirty="0" err="1"/>
+              <a:t>unique</a:t>
+            </a:r>
+            <a:r>
+              <a:rPr lang="it-IT" dirty="0"/>
+              <a:t>, </a:t>
+            </a:r>
+            <a:r>
+              <a:rPr lang="it-IT" dirty="0" err="1"/>
+              <a:t>not</a:t>
+            </a:r>
+            <a:r>
+              <a:rPr lang="it-IT" dirty="0"/>
+              <a:t> </a:t>
+            </a:r>
+            <a:r>
+              <a:rPr lang="it-IT" dirty="0" err="1"/>
+              <a:t>null</a:t>
+            </a:r>
+            <a:endParaRPr lang="it-IT" dirty="0"/>
+          </a:p>
+          <a:p>
+            <a:pPr lvl="1"/>
+            <a:r>
+              <a:rPr lang="it-IT" dirty="0" err="1"/>
+              <a:t>enum</a:t>
+            </a:r>
+            <a:r>
+              <a:rPr lang="it-IT" dirty="0"/>
+              <a:t>() tipo: </a:t>
+            </a:r>
+            <a:r>
+              <a:rPr lang="it-IT" dirty="0" err="1"/>
+              <a:t>not</a:t>
+            </a:r>
+            <a:r>
+              <a:rPr lang="it-IT" dirty="0"/>
+              <a:t> </a:t>
+            </a:r>
+            <a:r>
+              <a:rPr lang="it-IT" dirty="0" err="1"/>
+              <a:t>null</a:t>
+            </a:r>
+            <a:endParaRPr lang="it-IT" dirty="0"/>
+          </a:p>
+          <a:p>
+            <a:pPr lvl="1"/>
+            <a:r>
+              <a:rPr lang="it-IT" dirty="0" err="1"/>
+              <a:t>varchar</a:t>
+            </a:r>
+            <a:r>
+              <a:rPr lang="it-IT" dirty="0"/>
+              <a:t>() formato: </a:t>
+            </a:r>
+            <a:r>
+              <a:rPr lang="it-IT" dirty="0" err="1"/>
+              <a:t>not</a:t>
+            </a:r>
+            <a:r>
+              <a:rPr lang="it-IT" dirty="0"/>
+              <a:t> </a:t>
+            </a:r>
+            <a:r>
+              <a:rPr lang="it-IT" dirty="0" err="1"/>
+              <a:t>null</a:t>
+            </a:r>
+            <a:endParaRPr lang="it-IT" dirty="0"/>
+          </a:p>
+          <a:p>
+            <a:pPr lvl="1"/>
+            <a:r>
+              <a:rPr lang="it-IT" dirty="0" err="1"/>
+              <a:t>varchar</a:t>
+            </a:r>
+            <a:r>
+              <a:rPr lang="it-IT" dirty="0"/>
+              <a:t>() descrizione: </a:t>
+            </a:r>
+            <a:r>
+              <a:rPr lang="it-IT" dirty="0" err="1"/>
+              <a:t>not</a:t>
+            </a:r>
+            <a:r>
+              <a:rPr lang="it-IT" dirty="0"/>
+              <a:t> </a:t>
+            </a:r>
+            <a:r>
+              <a:rPr lang="it-IT" dirty="0" err="1"/>
+              <a:t>null</a:t>
+            </a:r>
+            <a:endParaRPr lang="it-IT" dirty="0"/>
           </a:p>
         </p:txBody>
       </p:sp>
@@ -3731,60 +3909,149 @@
           <a:lstStyle/>
           <a:p>
             <a:r>
-              <a:rPr lang="it-IT" dirty="0"/>
+              <a:rPr lang="it-IT" dirty="0" err="1"/>
               <a:t>Info_pubblicazione</a:t>
             </a:r>
-          </a:p>
-          <a:p>
-            <a:pPr lvl="1"/>
-            <a:r>
-              <a:rPr lang="it-IT" dirty="0" err="1"/>
-              <a:t>Int</a:t>
-            </a:r>
-            <a:r>
-              <a:rPr lang="it-IT" dirty="0"/>
-              <a:t> Id_pubblicazione: chiave primaria</a:t>
-            </a:r>
-          </a:p>
-          <a:p>
-            <a:pPr lvl="1"/>
-            <a:r>
-              <a:rPr lang="it-IT" dirty="0" err="1"/>
-              <a:t>Int</a:t>
-            </a:r>
-            <a:r>
-              <a:rPr lang="it-IT" dirty="0"/>
-              <a:t> Numero_pagine: not null</a:t>
-            </a:r>
-          </a:p>
-          <a:p>
-            <a:pPr lvl="1"/>
-            <a:r>
-              <a:rPr lang="it-IT" dirty="0"/>
-              <a:t>Date Data_pubblicazione: not null</a:t>
-            </a:r>
-          </a:p>
-          <a:p>
-            <a:pPr lvl="1"/>
-            <a:r>
-              <a:rPr lang="it-IT" dirty="0" err="1"/>
-              <a:t>Int</a:t>
-            </a:r>
-            <a:r>
-              <a:rPr lang="it-IT" dirty="0"/>
-              <a:t> Edizione: not null</a:t>
-            </a:r>
-          </a:p>
-          <a:p>
-            <a:pPr lvl="1"/>
-            <a:r>
-              <a:rPr lang="it-IT" dirty="0" err="1"/>
-              <a:t>Char</a:t>
-            </a:r>
-            <a:r>
-              <a:rPr lang="it-IT" dirty="0"/>
-              <a:t> Lingua: not null</a:t>
-            </a:r>
+            <a:endParaRPr lang="it-IT" dirty="0"/>
+          </a:p>
+          <a:p>
+            <a:pPr lvl="1"/>
+            <a:r>
+              <a:rPr lang="it-IT" dirty="0" err="1"/>
+              <a:t>int</a:t>
+            </a:r>
+            <a:r>
+              <a:rPr lang="it-IT" dirty="0"/>
+              <a:t> </a:t>
+            </a:r>
+            <a:r>
+              <a:rPr lang="it-IT" dirty="0" err="1"/>
+              <a:t>unsigned</a:t>
+            </a:r>
+            <a:r>
+              <a:rPr lang="it-IT" dirty="0"/>
+              <a:t> </a:t>
+            </a:r>
+            <a:r>
+              <a:rPr lang="it-IT" dirty="0" err="1"/>
+              <a:t>id_pubblicazione</a:t>
+            </a:r>
+            <a:r>
+              <a:rPr lang="it-IT" dirty="0"/>
+              <a:t>: chiave primaria</a:t>
+            </a:r>
+          </a:p>
+          <a:p>
+            <a:pPr lvl="1"/>
+            <a:r>
+              <a:rPr lang="it-IT" dirty="0" err="1"/>
+              <a:t>int</a:t>
+            </a:r>
+            <a:r>
+              <a:rPr lang="it-IT" dirty="0"/>
+              <a:t> </a:t>
+            </a:r>
+            <a:r>
+              <a:rPr lang="it-IT" dirty="0" err="1"/>
+              <a:t>numero_pagine</a:t>
+            </a:r>
+            <a:r>
+              <a:rPr lang="it-IT" dirty="0"/>
+              <a:t>: </a:t>
+            </a:r>
+            <a:r>
+              <a:rPr lang="it-IT" dirty="0" err="1"/>
+              <a:t>not</a:t>
+            </a:r>
+            <a:r>
+              <a:rPr lang="it-IT" dirty="0"/>
+              <a:t> </a:t>
+            </a:r>
+            <a:r>
+              <a:rPr lang="it-IT" dirty="0" err="1"/>
+              <a:t>null</a:t>
+            </a:r>
+            <a:endParaRPr lang="it-IT" dirty="0"/>
+          </a:p>
+          <a:p>
+            <a:pPr lvl="1"/>
+            <a:r>
+              <a:rPr lang="it-IT" dirty="0" err="1"/>
+              <a:t>year</a:t>
+            </a:r>
+            <a:r>
+              <a:rPr lang="it-IT" dirty="0"/>
+              <a:t> </a:t>
+            </a:r>
+            <a:r>
+              <a:rPr lang="it-IT" dirty="0" err="1"/>
+              <a:t>anno_pubblicazione</a:t>
+            </a:r>
+            <a:r>
+              <a:rPr lang="it-IT" dirty="0"/>
+              <a:t>: </a:t>
+            </a:r>
+            <a:r>
+              <a:rPr lang="it-IT" dirty="0" err="1"/>
+              <a:t>not</a:t>
+            </a:r>
+            <a:r>
+              <a:rPr lang="it-IT" dirty="0"/>
+              <a:t> </a:t>
+            </a:r>
+            <a:r>
+              <a:rPr lang="it-IT" dirty="0" err="1"/>
+              <a:t>null</a:t>
+            </a:r>
+            <a:endParaRPr lang="it-IT" dirty="0"/>
+          </a:p>
+          <a:p>
+            <a:pPr lvl="1"/>
+            <a:r>
+              <a:rPr lang="it-IT" dirty="0" err="1"/>
+              <a:t>int</a:t>
+            </a:r>
+            <a:r>
+              <a:rPr lang="it-IT" dirty="0"/>
+              <a:t> edizione: </a:t>
+            </a:r>
+            <a:r>
+              <a:rPr lang="it-IT" dirty="0" err="1"/>
+              <a:t>not</a:t>
+            </a:r>
+            <a:r>
+              <a:rPr lang="it-IT" dirty="0"/>
+              <a:t> </a:t>
+            </a:r>
+            <a:r>
+              <a:rPr lang="it-IT" dirty="0" err="1"/>
+              <a:t>null</a:t>
+            </a:r>
+            <a:endParaRPr lang="it-IT" dirty="0"/>
+          </a:p>
+          <a:p>
+            <a:pPr lvl="1"/>
+            <a:r>
+              <a:rPr lang="it-IT" dirty="0" err="1"/>
+              <a:t>varchar</a:t>
+            </a:r>
+            <a:r>
+              <a:rPr lang="it-IT" dirty="0"/>
+              <a:t>() lingua: </a:t>
+            </a:r>
+            <a:r>
+              <a:rPr lang="it-IT" dirty="0" err="1"/>
+              <a:t>not</a:t>
+            </a:r>
+            <a:r>
+              <a:rPr lang="it-IT" dirty="0"/>
+              <a:t> </a:t>
+            </a:r>
+            <a:r>
+              <a:rPr lang="it-IT" dirty="0" err="1"/>
+              <a:t>null</a:t>
+            </a:r>
+            <a:endParaRPr lang="it-IT" dirty="0"/>
           </a:p>
           <a:p>
             <a:r>
@@ -3796,30 +4063,71 @@
             <a:pPr lvl="1"/>
             <a:r>
               <a:rPr lang="it-IT" dirty="0" err="1"/>
-              <a:t>Int</a:t>
-            </a:r>
-            <a:r>
-              <a:rPr lang="it-IT" dirty="0"/>
-              <a:t> Id_pubblicazione: chiave primaria</a:t>
-            </a:r>
-          </a:p>
-          <a:p>
-            <a:pPr lvl="1"/>
-            <a:r>
-              <a:rPr lang="it-IT" dirty="0" err="1"/>
-              <a:t>Int</a:t>
-            </a:r>
-            <a:r>
-              <a:rPr lang="it-IT" dirty="0"/>
-              <a:t> Numero: chiave primaria</a:t>
-            </a:r>
-          </a:p>
-          <a:p>
-            <a:pPr lvl="1"/>
-            <a:r>
-              <a:rPr lang="it-IT" dirty="0"/>
-              <a:t>Date Data: not null</a:t>
-            </a:r>
+              <a:t>int</a:t>
+            </a:r>
+            <a:r>
+              <a:rPr lang="it-IT" dirty="0"/>
+              <a:t> </a:t>
+            </a:r>
+            <a:r>
+              <a:rPr lang="it-IT" dirty="0" err="1"/>
+              <a:t>unsigned</a:t>
+            </a:r>
+            <a:r>
+              <a:rPr lang="it-IT" dirty="0"/>
+              <a:t> </a:t>
+            </a:r>
+            <a:r>
+              <a:rPr lang="it-IT" dirty="0" err="1"/>
+              <a:t>id_pubblicazione</a:t>
+            </a:r>
+            <a:r>
+              <a:rPr lang="it-IT" dirty="0"/>
+              <a:t>: chiave primaria</a:t>
+            </a:r>
+          </a:p>
+          <a:p>
+            <a:pPr lvl="1"/>
+            <a:r>
+              <a:rPr lang="it-IT" dirty="0" err="1"/>
+              <a:t>int</a:t>
+            </a:r>
+            <a:r>
+              <a:rPr lang="it-IT" dirty="0"/>
+              <a:t> numero: chiave primaria</a:t>
+            </a:r>
+          </a:p>
+          <a:p>
+            <a:pPr lvl="1"/>
+            <a:r>
+              <a:rPr lang="it-IT" dirty="0" err="1"/>
+              <a:t>year</a:t>
+            </a:r>
+            <a:r>
+              <a:rPr lang="it-IT" dirty="0"/>
+              <a:t> </a:t>
+            </a:r>
+            <a:r>
+              <a:rPr lang="it-IT" dirty="0" err="1"/>
+              <a:t>anno_ristampa</a:t>
+            </a:r>
+            <a:r>
+              <a:rPr lang="it-IT" dirty="0"/>
+              <a:t>: </a:t>
+            </a:r>
+            <a:r>
+              <a:rPr lang="it-IT" dirty="0" err="1"/>
+              <a:t>not</a:t>
+            </a:r>
+            <a:r>
+              <a:rPr lang="it-IT" dirty="0"/>
+              <a:t> </a:t>
+            </a:r>
+            <a:r>
+              <a:rPr lang="it-IT" dirty="0" err="1"/>
+              <a:t>null</a:t>
+            </a:r>
+            <a:endParaRPr lang="it-IT" dirty="0"/>
           </a:p>
           <a:p>
             <a:r>
@@ -3831,23 +4139,52 @@
             <a:pPr lvl="1"/>
             <a:r>
               <a:rPr lang="it-IT" dirty="0" err="1"/>
-              <a:t>Int</a:t>
-            </a:r>
-            <a:r>
-              <a:rPr lang="it-IT" dirty="0"/>
-              <a:t> Id: chiave primaria</a:t>
-            </a:r>
-          </a:p>
-          <a:p>
-            <a:pPr lvl="1"/>
-            <a:r>
-              <a:rPr lang="it-IT" dirty="0" err="1"/>
-              <a:t>Char</a:t>
-            </a:r>
-            <a:r>
-              <a:rPr lang="it-IT" dirty="0"/>
-              <a:t> Parola: unique not null</a:t>
-            </a:r>
+              <a:t>int</a:t>
+            </a:r>
+            <a:r>
+              <a:rPr lang="it-IT" dirty="0"/>
+              <a:t>  </a:t>
+            </a:r>
+            <a:r>
+              <a:rPr lang="it-IT" dirty="0" err="1"/>
+              <a:t>unsigned</a:t>
+            </a:r>
+            <a:r>
+              <a:rPr lang="it-IT" dirty="0"/>
+              <a:t> id: chiave primaria</a:t>
+            </a:r>
+          </a:p>
+          <a:p>
+            <a:pPr lvl="1"/>
+            <a:r>
+              <a:rPr lang="it-IT" dirty="0" err="1"/>
+              <a:t>varchar</a:t>
+            </a:r>
+            <a:r>
+              <a:rPr lang="it-IT" dirty="0"/>
+              <a:t>() parola: </a:t>
+            </a:r>
+            <a:r>
+              <a:rPr lang="it-IT" dirty="0" err="1"/>
+              <a:t>unique</a:t>
+            </a:r>
+            <a:r>
+              <a:rPr lang="it-IT" dirty="0"/>
+              <a:t> </a:t>
+            </a:r>
+            <a:r>
+              <a:rPr lang="it-IT" dirty="0" err="1"/>
+              <a:t>not</a:t>
+            </a:r>
+            <a:r>
+              <a:rPr lang="it-IT" dirty="0"/>
+              <a:t> </a:t>
+            </a:r>
+            <a:r>
+              <a:rPr lang="it-IT" dirty="0" err="1"/>
+              <a:t>null</a:t>
+            </a:r>
+            <a:endParaRPr lang="it-IT" dirty="0"/>
           </a:p>
           <a:p>
             <a:r>
@@ -3859,22 +4196,54 @@
             <a:pPr lvl="1"/>
             <a:r>
               <a:rPr lang="it-IT" dirty="0" err="1"/>
-              <a:t>Int</a:t>
-            </a:r>
-            <a:r>
-              <a:rPr lang="it-IT" dirty="0"/>
-              <a:t> Id_pubblicazione: chiave primaria</a:t>
-            </a:r>
-          </a:p>
-          <a:p>
-            <a:pPr lvl="1"/>
-            <a:r>
-              <a:rPr lang="it-IT" dirty="0" err="1"/>
-              <a:t>Int</a:t>
-            </a:r>
-            <a:r>
-              <a:rPr lang="it-IT" dirty="0"/>
-              <a:t> Id_parola: chiave primaria</a:t>
+              <a:t>int</a:t>
+            </a:r>
+            <a:r>
+              <a:rPr lang="it-IT" dirty="0"/>
+              <a:t> </a:t>
+            </a:r>
+            <a:r>
+              <a:rPr lang="it-IT" dirty="0" err="1"/>
+              <a:t>unsigned</a:t>
+            </a:r>
+            <a:r>
+              <a:rPr lang="it-IT" dirty="0"/>
+              <a:t> </a:t>
+            </a:r>
+            <a:r>
+              <a:rPr lang="it-IT" dirty="0" err="1"/>
+              <a:t>id_pubblicazione</a:t>
+            </a:r>
+            <a:r>
+              <a:rPr lang="it-IT" dirty="0"/>
+              <a:t>: chiave primaria</a:t>
+            </a:r>
+          </a:p>
+          <a:p>
+            <a:pPr lvl="1"/>
+            <a:r>
+              <a:rPr lang="it-IT" dirty="0" err="1"/>
+              <a:t>int</a:t>
+            </a:r>
+            <a:r>
+              <a:rPr lang="it-IT" dirty="0"/>
+              <a:t> </a:t>
+            </a:r>
+            <a:r>
+              <a:rPr lang="it-IT" dirty="0" err="1"/>
+              <a:t>unsigned</a:t>
+            </a:r>
+            <a:r>
+              <a:rPr lang="it-IT" dirty="0"/>
+              <a:t> </a:t>
+            </a:r>
+            <a:r>
+              <a:rPr lang="it-IT" dirty="0" err="1"/>
+              <a:t>id_parola</a:t>
+            </a:r>
+            <a:r>
+              <a:rPr lang="it-IT" dirty="0"/>
+              <a:t>: chiave primaria</a:t>
             </a:r>
           </a:p>
           <a:p>
@@ -3886,27 +4255,47 @@
           <a:p>
             <a:pPr lvl="1"/>
             <a:r>
-              <a:rPr lang="it-IT" dirty="0" err="1"/>
-              <a:t>Int</a:t>
-            </a:r>
-            <a:r>
-              <a:rPr lang="it-IT" dirty="0"/>
-              <a:t> Id_pubblicazione: chiave primaria</a:t>
-            </a:r>
-          </a:p>
-          <a:p>
-            <a:pPr lvl="1"/>
-            <a:r>
-              <a:rPr lang="it-IT" dirty="0" err="1"/>
-              <a:t>Int</a:t>
-            </a:r>
-            <a:r>
-              <a:rPr lang="it-IT" dirty="0"/>
-              <a:t> </a:t>
-            </a:r>
-            <a:r>
-              <a:rPr lang="it-IT" dirty="0" err="1"/>
-              <a:t>Id_autore</a:t>
+              <a:rPr lang="it-IT" dirty="0"/>
+              <a:t>nt </a:t>
+            </a:r>
+            <a:r>
+              <a:rPr lang="it-IT" dirty="0" err="1"/>
+              <a:t>unsigned</a:t>
+            </a:r>
+            <a:r>
+              <a:rPr lang="it-IT" dirty="0"/>
+              <a:t> </a:t>
+            </a:r>
+            <a:r>
+              <a:rPr lang="it-IT" dirty="0" err="1"/>
+              <a:t>id_pubblicazione</a:t>
+            </a:r>
+            <a:r>
+              <a:rPr lang="it-IT" dirty="0"/>
+              <a:t>: chiave primaria</a:t>
+            </a:r>
+          </a:p>
+          <a:p>
+            <a:pPr lvl="1"/>
+            <a:r>
+              <a:rPr lang="it-IT" dirty="0" err="1"/>
+              <a:t>int</a:t>
+            </a:r>
+            <a:r>
+              <a:rPr lang="it-IT" dirty="0"/>
+              <a:t> </a:t>
+            </a:r>
+            <a:r>
+              <a:rPr lang="it-IT" dirty="0" err="1"/>
+              <a:t>unsigned</a:t>
+            </a:r>
+            <a:r>
+              <a:rPr lang="it-IT" dirty="0"/>
+              <a:t> </a:t>
+            </a:r>
+            <a:r>
+              <a:rPr lang="it-IT" dirty="0" err="1"/>
+              <a:t>id_autore</a:t>
             </a:r>
             <a:r>
               <a:rPr lang="it-IT" dirty="0"/>
@@ -4002,41 +4391,90 @@
           <a:p>
             <a:pPr lvl="1"/>
             <a:r>
-              <a:rPr lang="it-IT" dirty="0" err="1"/>
-              <a:t>Int</a:t>
-            </a:r>
-            <a:r>
-              <a:rPr lang="it-IT" dirty="0"/>
-              <a:t> Id_utente: chiave primaria</a:t>
-            </a:r>
-          </a:p>
-          <a:p>
-            <a:pPr lvl="1"/>
-            <a:r>
-              <a:rPr lang="it-IT" dirty="0" err="1"/>
-              <a:t>Int</a:t>
-            </a:r>
-            <a:r>
-              <a:rPr lang="it-IT" dirty="0"/>
-              <a:t> Id_pubblicazione: chiave primaria</a:t>
-            </a:r>
-          </a:p>
-          <a:p>
-            <a:pPr lvl="1"/>
-            <a:r>
-              <a:rPr lang="it-IT" dirty="0" err="1"/>
-              <a:t>Char</a:t>
-            </a:r>
-            <a:r>
-              <a:rPr lang="it-IT" dirty="0"/>
-              <a:t> Testo: not null</a:t>
-            </a:r>
-          </a:p>
-          <a:p>
-            <a:pPr lvl="1"/>
-            <a:r>
-              <a:rPr lang="it-IT" dirty="0"/>
-              <a:t>Date Data_recensione: </a:t>
+              <a:rPr lang="it-IT" dirty="0"/>
+              <a:t>in </a:t>
+            </a:r>
+            <a:r>
+              <a:rPr lang="it-IT" dirty="0" err="1"/>
+              <a:t>unsignedt</a:t>
+            </a:r>
+            <a:r>
+              <a:rPr lang="it-IT" dirty="0"/>
+              <a:t> </a:t>
+            </a:r>
+            <a:r>
+              <a:rPr lang="it-IT" dirty="0" err="1"/>
+              <a:t>id_utente</a:t>
+            </a:r>
+            <a:r>
+              <a:rPr lang="it-IT" dirty="0"/>
+              <a:t>: chiave primaria</a:t>
+            </a:r>
+          </a:p>
+          <a:p>
+            <a:pPr lvl="1"/>
+            <a:r>
+              <a:rPr lang="it-IT" dirty="0" err="1"/>
+              <a:t>int</a:t>
+            </a:r>
+            <a:r>
+              <a:rPr lang="it-IT" dirty="0"/>
+              <a:t> </a:t>
+            </a:r>
+            <a:r>
+              <a:rPr lang="it-IT" dirty="0" err="1"/>
+              <a:t>unsigned</a:t>
+            </a:r>
+            <a:r>
+              <a:rPr lang="it-IT" dirty="0"/>
+              <a:t> </a:t>
+            </a:r>
+            <a:r>
+              <a:rPr lang="it-IT" dirty="0" err="1"/>
+              <a:t>id_pubblicazione</a:t>
+            </a:r>
+            <a:r>
+              <a:rPr lang="it-IT" dirty="0"/>
+              <a:t>: chiave primaria</a:t>
+            </a:r>
+          </a:p>
+          <a:p>
+            <a:pPr lvl="1"/>
+            <a:r>
+              <a:rPr lang="it-IT" dirty="0" err="1"/>
+              <a:t>varchar</a:t>
+            </a:r>
+            <a:r>
+              <a:rPr lang="it-IT" dirty="0"/>
+              <a:t>() testo: </a:t>
+            </a:r>
+            <a:r>
+              <a:rPr lang="it-IT" dirty="0" err="1"/>
+              <a:t>not</a:t>
+            </a:r>
+            <a:r>
+              <a:rPr lang="it-IT" dirty="0"/>
+              <a:t> </a:t>
+            </a:r>
+            <a:r>
+              <a:rPr lang="it-IT" dirty="0" err="1"/>
+              <a:t>null</a:t>
+            </a:r>
+            <a:endParaRPr lang="it-IT" dirty="0"/>
+          </a:p>
+          <a:p>
+            <a:pPr lvl="1"/>
+            <a:r>
+              <a:rPr lang="it-IT" dirty="0"/>
+              <a:t>date </a:t>
+            </a:r>
+            <a:r>
+              <a:rPr lang="it-IT" dirty="0" err="1"/>
+              <a:t>data_ora</a:t>
+            </a:r>
+            <a:r>
+              <a:rPr lang="it-IT" dirty="0"/>
+              <a:t>: </a:t>
             </a:r>
             <a:r>
               <a:rPr lang="it-IT" dirty="0" err="1"/>
@@ -4047,20 +4485,26 @@
           <a:p>
             <a:pPr lvl="1"/>
             <a:r>
-              <a:rPr lang="it-IT" dirty="0"/>
-              <a:t>Time Ora: not null</a:t>
-            </a:r>
-          </a:p>
-          <a:p>
-            <a:pPr lvl="1"/>
-            <a:r>
-              <a:rPr lang="it-IT" dirty="0" err="1"/>
-              <a:t>Enum</a:t>
-            </a:r>
-            <a:r>
-              <a:rPr lang="it-IT" dirty="0"/>
-              <a:t> Moderata: not null default ‘No’</a:t>
-            </a:r>
+              <a:rPr lang="it-IT" dirty="0" err="1"/>
+              <a:t>enum</a:t>
+            </a:r>
+            <a:r>
+              <a:rPr lang="it-IT" dirty="0"/>
+              <a:t>() moderata: </a:t>
+            </a:r>
+            <a:r>
+              <a:rPr lang="it-IT" dirty="0" err="1"/>
+              <a:t>not</a:t>
+            </a:r>
+            <a:r>
+              <a:rPr lang="it-IT" dirty="0"/>
+              <a:t> </a:t>
+            </a:r>
+            <a:r>
+              <a:rPr lang="it-IT" dirty="0" err="1"/>
+              <a:t>null</a:t>
+            </a:r>
+            <a:endParaRPr lang="it-IT" dirty="0"/>
           </a:p>
           <a:p>
             <a:r>
@@ -4072,102 +4516,243 @@
             <a:pPr lvl="1"/>
             <a:r>
               <a:rPr lang="it-IT" dirty="0" err="1"/>
-              <a:t>Int</a:t>
-            </a:r>
-            <a:r>
-              <a:rPr lang="it-IT" dirty="0"/>
-              <a:t> Id: chiave primaria</a:t>
-            </a:r>
-          </a:p>
-          <a:p>
-            <a:pPr lvl="1"/>
-            <a:r>
-              <a:rPr lang="it-IT" dirty="0" err="1"/>
-              <a:t>Char</a:t>
-            </a:r>
-            <a:r>
-              <a:rPr lang="it-IT" dirty="0"/>
-              <a:t> Email: unique not null</a:t>
-            </a:r>
-          </a:p>
-          <a:p>
-            <a:pPr lvl="1"/>
-            <a:r>
-              <a:rPr lang="it-IT" dirty="0" err="1"/>
-              <a:t>CharPassword</a:t>
-            </a:r>
-            <a:r>
-              <a:rPr lang="it-IT" dirty="0"/>
-              <a:t>: not null</a:t>
-            </a:r>
-          </a:p>
-          <a:p>
-            <a:pPr lvl="1"/>
-            <a:r>
-              <a:rPr lang="it-IT" dirty="0" err="1"/>
-              <a:t>Char</a:t>
-            </a:r>
-            <a:r>
-              <a:rPr lang="it-IT" dirty="0"/>
-              <a:t> Nome: not null </a:t>
-            </a:r>
-          </a:p>
-          <a:p>
-            <a:pPr lvl="1"/>
-            <a:r>
-              <a:rPr lang="it-IT" dirty="0" err="1"/>
-              <a:t>Char</a:t>
-            </a:r>
-            <a:r>
-              <a:rPr lang="it-IT" dirty="0"/>
-              <a:t> Cognome: not null</a:t>
-            </a:r>
-          </a:p>
-          <a:p>
-            <a:pPr lvl="1"/>
-            <a:r>
-              <a:rPr lang="it-IT" dirty="0" err="1"/>
-              <a:t>Enum</a:t>
-            </a:r>
-            <a:r>
-              <a:rPr lang="it-IT" dirty="0"/>
-              <a:t> tipo: not null default ‘Passivo’</a:t>
-            </a:r>
-          </a:p>
-          <a:p>
-            <a:r>
-              <a:rPr lang="it-IT" dirty="0"/>
+              <a:t>int</a:t>
+            </a:r>
+            <a:r>
+              <a:rPr lang="it-IT" dirty="0"/>
+              <a:t> </a:t>
+            </a:r>
+            <a:r>
+              <a:rPr lang="it-IT" dirty="0" err="1"/>
+              <a:t>unsigned</a:t>
+            </a:r>
+            <a:r>
+              <a:rPr lang="it-IT" dirty="0"/>
+              <a:t> id: chiave primaria</a:t>
+            </a:r>
+          </a:p>
+          <a:p>
+            <a:pPr lvl="1"/>
+            <a:r>
+              <a:rPr lang="it-IT" dirty="0" err="1"/>
+              <a:t>varchar</a:t>
+            </a:r>
+            <a:r>
+              <a:rPr lang="it-IT" dirty="0"/>
+              <a:t>() email: </a:t>
+            </a:r>
+            <a:r>
+              <a:rPr lang="it-IT" dirty="0" err="1"/>
+              <a:t>unique</a:t>
+            </a:r>
+            <a:r>
+              <a:rPr lang="it-IT" dirty="0"/>
+              <a:t> </a:t>
+            </a:r>
+            <a:r>
+              <a:rPr lang="it-IT" dirty="0" err="1"/>
+              <a:t>not</a:t>
+            </a:r>
+            <a:r>
+              <a:rPr lang="it-IT" dirty="0"/>
+              <a:t> </a:t>
+            </a:r>
+            <a:r>
+              <a:rPr lang="it-IT" dirty="0" err="1"/>
+              <a:t>null</a:t>
+            </a:r>
+            <a:endParaRPr lang="it-IT" dirty="0"/>
+          </a:p>
+          <a:p>
+            <a:pPr lvl="1"/>
+            <a:r>
+              <a:rPr lang="it-IT" dirty="0" err="1"/>
+              <a:t>varchar</a:t>
+            </a:r>
+            <a:r>
+              <a:rPr lang="it-IT" dirty="0"/>
+              <a:t>() password: </a:t>
+            </a:r>
+            <a:r>
+              <a:rPr lang="it-IT" dirty="0" err="1"/>
+              <a:t>not</a:t>
+            </a:r>
+            <a:r>
+              <a:rPr lang="it-IT" dirty="0"/>
+              <a:t> </a:t>
+            </a:r>
+            <a:r>
+              <a:rPr lang="it-IT" dirty="0" err="1"/>
+              <a:t>null</a:t>
+            </a:r>
+            <a:endParaRPr lang="it-IT" dirty="0"/>
+          </a:p>
+          <a:p>
+            <a:pPr lvl="1"/>
+            <a:r>
+              <a:rPr lang="it-IT" dirty="0" err="1"/>
+              <a:t>varchar</a:t>
+            </a:r>
+            <a:r>
+              <a:rPr lang="it-IT" dirty="0"/>
+              <a:t>() nome: </a:t>
+            </a:r>
+            <a:r>
+              <a:rPr lang="it-IT" dirty="0" err="1"/>
+              <a:t>not</a:t>
+            </a:r>
+            <a:r>
+              <a:rPr lang="it-IT" dirty="0"/>
+              <a:t> </a:t>
+            </a:r>
+            <a:r>
+              <a:rPr lang="it-IT" dirty="0" err="1"/>
+              <a:t>null</a:t>
+            </a:r>
+            <a:r>
+              <a:rPr lang="it-IT" dirty="0"/>
+              <a:t> </a:t>
+            </a:r>
+          </a:p>
+          <a:p>
+            <a:pPr lvl="1"/>
+            <a:r>
+              <a:rPr lang="it-IT" dirty="0" err="1"/>
+              <a:t>varchar</a:t>
+            </a:r>
+            <a:r>
+              <a:rPr lang="it-IT" dirty="0"/>
+              <a:t>() cognome: </a:t>
+            </a:r>
+            <a:r>
+              <a:rPr lang="it-IT" dirty="0" err="1"/>
+              <a:t>not</a:t>
+            </a:r>
+            <a:r>
+              <a:rPr lang="it-IT" dirty="0"/>
+              <a:t> </a:t>
+            </a:r>
+            <a:r>
+              <a:rPr lang="it-IT" dirty="0" err="1"/>
+              <a:t>null</a:t>
+            </a:r>
+            <a:endParaRPr lang="it-IT" dirty="0"/>
+          </a:p>
+          <a:p>
+            <a:pPr lvl="1"/>
+            <a:r>
+              <a:rPr lang="it-IT" dirty="0" err="1"/>
+              <a:t>enum</a:t>
+            </a:r>
+            <a:r>
+              <a:rPr lang="it-IT" dirty="0"/>
+              <a:t>() tipo: </a:t>
+            </a:r>
+            <a:r>
+              <a:rPr lang="it-IT" dirty="0" err="1"/>
+              <a:t>not</a:t>
+            </a:r>
+            <a:r>
+              <a:rPr lang="it-IT" dirty="0"/>
+              <a:t> </a:t>
+            </a:r>
+            <a:r>
+              <a:rPr lang="it-IT" dirty="0" err="1"/>
+              <a:t>null</a:t>
+            </a:r>
+            <a:r>
+              <a:rPr lang="it-IT" dirty="0"/>
+              <a:t> default</a:t>
+            </a:r>
+          </a:p>
+          <a:p>
+            <a:r>
+              <a:rPr lang="it-IT" dirty="0" err="1"/>
               <a:t>Likes</a:t>
             </a:r>
-          </a:p>
-          <a:p>
-            <a:pPr lvl="1"/>
-            <a:r>
-              <a:rPr lang="it-IT" dirty="0" err="1"/>
-              <a:t>Int</a:t>
-            </a:r>
-            <a:r>
-              <a:rPr lang="it-IT" dirty="0"/>
-              <a:t> Id_utente: chiave primaria</a:t>
-            </a:r>
-          </a:p>
-          <a:p>
-            <a:pPr lvl="1"/>
-            <a:r>
-              <a:rPr lang="it-IT" dirty="0" err="1"/>
-              <a:t>Int</a:t>
-            </a:r>
-            <a:r>
-              <a:rPr lang="it-IT" dirty="0"/>
-              <a:t> Id_pubblicazione: chiave primaria</a:t>
-            </a:r>
-          </a:p>
-          <a:p>
-            <a:pPr lvl="1"/>
-            <a:r>
-              <a:rPr lang="it-IT" dirty="0"/>
-              <a:t>Date Data_like: not null</a:t>
-            </a:r>
+            <a:endParaRPr lang="it-IT" dirty="0"/>
+          </a:p>
+          <a:p>
+            <a:pPr lvl="1"/>
+            <a:r>
+              <a:rPr lang="it-IT" dirty="0" err="1"/>
+              <a:t>int</a:t>
+            </a:r>
+            <a:r>
+              <a:rPr lang="it-IT" dirty="0"/>
+              <a:t> </a:t>
+            </a:r>
+            <a:r>
+              <a:rPr lang="it-IT" dirty="0" err="1"/>
+              <a:t>unsigned</a:t>
+            </a:r>
+            <a:r>
+              <a:rPr lang="it-IT" dirty="0"/>
+              <a:t> </a:t>
+            </a:r>
+            <a:r>
+              <a:rPr lang="it-IT" dirty="0" err="1"/>
+              <a:t>id_utente</a:t>
+            </a:r>
+            <a:r>
+              <a:rPr lang="it-IT" dirty="0"/>
+              <a:t>: chiave primaria</a:t>
+            </a:r>
+          </a:p>
+          <a:p>
+            <a:pPr lvl="1"/>
+            <a:r>
+              <a:rPr lang="it-IT" dirty="0" err="1"/>
+              <a:t>int</a:t>
+            </a:r>
+            <a:r>
+              <a:rPr lang="it-IT" dirty="0"/>
+              <a:t> </a:t>
+            </a:r>
+            <a:r>
+              <a:rPr lang="it-IT" dirty="0" err="1"/>
+              <a:t>unsigned</a:t>
+            </a:r>
+            <a:r>
+              <a:rPr lang="it-IT" dirty="0"/>
+              <a:t> </a:t>
+            </a:r>
+            <a:r>
+              <a:rPr lang="it-IT" dirty="0" err="1"/>
+              <a:t>id_pubblicazione</a:t>
+            </a:r>
+            <a:r>
+              <a:rPr lang="it-IT" dirty="0"/>
+              <a:t>: chiave primaria</a:t>
+            </a:r>
+          </a:p>
+          <a:p>
+            <a:pPr lvl="1"/>
+            <a:r>
+              <a:rPr lang="it-IT" dirty="0"/>
+              <a:t>date </a:t>
+            </a:r>
+            <a:r>
+              <a:rPr lang="it-IT" dirty="0" err="1"/>
+              <a:t>data_ora</a:t>
+            </a:r>
+            <a:r>
+              <a:rPr lang="it-IT" dirty="0"/>
+              <a:t>: </a:t>
+            </a:r>
+            <a:r>
+              <a:rPr lang="it-IT" dirty="0" err="1"/>
+              <a:t>not</a:t>
+            </a:r>
+            <a:r>
+              <a:rPr lang="it-IT" dirty="0"/>
+              <a:t> </a:t>
+            </a:r>
+            <a:r>
+              <a:rPr lang="it-IT" dirty="0" err="1"/>
+              <a:t>null</a:t>
+            </a:r>
+            <a:endParaRPr lang="it-IT" dirty="0"/>
           </a:p>
           <a:p>
             <a:pPr lvl="1"/>
@@ -4268,75 +4853,176 @@
             <a:pPr lvl="1"/>
             <a:r>
               <a:rPr lang="it-IT" dirty="0" err="1"/>
-              <a:t>Int</a:t>
-            </a:r>
-            <a:r>
-              <a:rPr lang="it-IT" dirty="0"/>
-              <a:t> Id: chiave primaria</a:t>
-            </a:r>
-          </a:p>
-          <a:p>
-            <a:pPr lvl="1"/>
-            <a:r>
-              <a:rPr lang="it-IT" dirty="0" err="1"/>
-              <a:t>Int</a:t>
-            </a:r>
-            <a:r>
-              <a:rPr lang="it-IT" dirty="0"/>
-              <a:t> Id_utente: not null</a:t>
-            </a:r>
-          </a:p>
-          <a:p>
-            <a:pPr lvl="1"/>
-            <a:r>
-              <a:rPr lang="it-IT" dirty="0" err="1"/>
-              <a:t>Int</a:t>
-            </a:r>
-            <a:r>
-              <a:rPr lang="it-IT" dirty="0"/>
-              <a:t> Id_pubblicazione: not null</a:t>
-            </a:r>
-          </a:p>
-          <a:p>
-            <a:pPr lvl="1"/>
-            <a:r>
-              <a:rPr lang="it-IT" dirty="0" err="1"/>
-              <a:t>Timestamp</a:t>
-            </a:r>
-            <a:r>
-              <a:rPr lang="it-IT" dirty="0"/>
-              <a:t> </a:t>
-            </a:r>
-            <a:r>
-              <a:rPr lang="it-IT" dirty="0" err="1"/>
-              <a:t>Timestamp</a:t>
-            </a:r>
-            <a:r>
-              <a:rPr lang="it-IT" dirty="0"/>
-              <a:t>: not null</a:t>
-            </a:r>
-          </a:p>
-          <a:p>
-            <a:pPr lvl="1"/>
-            <a:r>
-              <a:rPr lang="it-IT" dirty="0" err="1"/>
-              <a:t>Char</a:t>
-            </a:r>
-            <a:r>
-              <a:rPr lang="it-IT" dirty="0"/>
-              <a:t> Descrizione: not null</a:t>
-            </a:r>
-          </a:p>
-          <a:p>
-            <a:pPr lvl="1"/>
-            <a:r>
-              <a:rPr lang="it-IT" dirty="0" err="1"/>
-              <a:t>Enum</a:t>
-            </a:r>
-            <a:r>
-              <a:rPr lang="it-IT" dirty="0"/>
-              <a:t> Tipo: not null</a:t>
-            </a:r>
+              <a:t>int</a:t>
+            </a:r>
+            <a:r>
+              <a:rPr lang="it-IT" dirty="0"/>
+              <a:t> </a:t>
+            </a:r>
+            <a:r>
+              <a:rPr lang="it-IT" dirty="0" err="1"/>
+              <a:t>unsigned</a:t>
+            </a:r>
+            <a:r>
+              <a:rPr lang="it-IT" dirty="0"/>
+              <a:t> id: chiave primaria</a:t>
+            </a:r>
+          </a:p>
+          <a:p>
+            <a:pPr lvl="1"/>
+            <a:r>
+              <a:rPr lang="it-IT" dirty="0" err="1"/>
+              <a:t>int</a:t>
+            </a:r>
+            <a:r>
+              <a:rPr lang="it-IT" dirty="0"/>
+              <a:t> </a:t>
+            </a:r>
+            <a:r>
+              <a:rPr lang="it-IT" dirty="0" err="1"/>
+              <a:t>unsigned</a:t>
+            </a:r>
+            <a:r>
+              <a:rPr lang="it-IT" dirty="0"/>
+              <a:t> </a:t>
+            </a:r>
+            <a:r>
+              <a:rPr lang="it-IT" dirty="0" err="1"/>
+              <a:t>id_utente</a:t>
+            </a:r>
+            <a:r>
+              <a:rPr lang="it-IT" dirty="0"/>
+              <a:t>: </a:t>
+            </a:r>
+            <a:r>
+              <a:rPr lang="it-IT" dirty="0" err="1"/>
+              <a:t>not</a:t>
+            </a:r>
+            <a:r>
+              <a:rPr lang="it-IT" dirty="0"/>
+              <a:t> </a:t>
+            </a:r>
+            <a:r>
+              <a:rPr lang="it-IT" dirty="0" err="1"/>
+              <a:t>null</a:t>
+            </a:r>
+            <a:endParaRPr lang="it-IT" dirty="0"/>
+          </a:p>
+          <a:p>
+            <a:pPr lvl="1"/>
+            <a:r>
+              <a:rPr lang="it-IT" dirty="0" err="1"/>
+              <a:t>int</a:t>
+            </a:r>
+            <a:r>
+              <a:rPr lang="it-IT" dirty="0"/>
+              <a:t> </a:t>
+            </a:r>
+            <a:r>
+              <a:rPr lang="it-IT" dirty="0" err="1"/>
+              <a:t>unsigned</a:t>
+            </a:r>
+            <a:r>
+              <a:rPr lang="it-IT" dirty="0"/>
+              <a:t> </a:t>
+            </a:r>
+            <a:r>
+              <a:rPr lang="it-IT" dirty="0" err="1"/>
+              <a:t>id_pubblicazione</a:t>
+            </a:r>
+            <a:r>
+              <a:rPr lang="it-IT" dirty="0"/>
+              <a:t>: </a:t>
+            </a:r>
+            <a:r>
+              <a:rPr lang="it-IT" dirty="0" err="1"/>
+              <a:t>not</a:t>
+            </a:r>
+            <a:r>
+              <a:rPr lang="it-IT" dirty="0"/>
+              <a:t> </a:t>
+            </a:r>
+            <a:r>
+              <a:rPr lang="it-IT" dirty="0" err="1"/>
+              <a:t>null</a:t>
+            </a:r>
+            <a:endParaRPr lang="it-IT" dirty="0"/>
+          </a:p>
+          <a:p>
+            <a:pPr lvl="1"/>
+            <a:r>
+              <a:rPr lang="it-IT" dirty="0"/>
+              <a:t>date </a:t>
+            </a:r>
+            <a:r>
+              <a:rPr lang="it-IT" dirty="0" err="1"/>
+              <a:t>data_ora</a:t>
+            </a:r>
+            <a:r>
+              <a:rPr lang="it-IT" dirty="0"/>
+              <a:t>: </a:t>
+            </a:r>
+            <a:r>
+              <a:rPr lang="it-IT" dirty="0" err="1"/>
+              <a:t>not</a:t>
+            </a:r>
+            <a:r>
+              <a:rPr lang="it-IT" dirty="0"/>
+              <a:t> </a:t>
+            </a:r>
+            <a:r>
+              <a:rPr lang="it-IT" dirty="0" err="1"/>
+              <a:t>null</a:t>
+            </a:r>
+            <a:endParaRPr lang="it-IT" dirty="0"/>
+          </a:p>
+          <a:p>
+            <a:pPr lvl="1"/>
+            <a:r>
+              <a:rPr lang="it-IT" dirty="0" err="1"/>
+              <a:t>varchar</a:t>
+            </a:r>
+            <a:r>
+              <a:rPr lang="it-IT" dirty="0"/>
+              <a:t>() descrizione: </a:t>
+            </a:r>
+            <a:r>
+              <a:rPr lang="it-IT" dirty="0" err="1"/>
+              <a:t>not</a:t>
+            </a:r>
+            <a:r>
+              <a:rPr lang="it-IT" dirty="0"/>
+              <a:t> </a:t>
+            </a:r>
+            <a:r>
+              <a:rPr lang="it-IT" dirty="0" err="1"/>
+              <a:t>null</a:t>
+            </a:r>
+            <a:endParaRPr lang="it-IT" dirty="0"/>
+          </a:p>
+          <a:p>
+            <a:pPr lvl="1"/>
+            <a:r>
+              <a:rPr lang="it-IT" dirty="0" err="1"/>
+              <a:t>enum</a:t>
+            </a:r>
+            <a:r>
+              <a:rPr lang="it-IT" dirty="0"/>
+              <a:t>() tipo: </a:t>
+            </a:r>
+            <a:r>
+              <a:rPr lang="it-IT" dirty="0" err="1"/>
+              <a:t>not</a:t>
+            </a:r>
+            <a:r>
+              <a:rPr lang="it-IT" dirty="0"/>
+              <a:t> </a:t>
+            </a:r>
+            <a:r>
+              <a:rPr lang="it-IT" dirty="0" err="1"/>
+              <a:t>null</a:t>
+            </a:r>
+            <a:endParaRPr lang="it-IT" dirty="0"/>
           </a:p>
           <a:p>
             <a:pPr marL="342900" lvl="1" indent="0">
@@ -4402,9 +5088,18 @@
           <a:lstStyle/>
           <a:p>
             <a:r>
-              <a:rPr lang="it-IT" dirty="0"/>
-              <a:t>Vincoli d’integrità extrarelazionali</a:t>
-            </a:r>
+              <a:rPr lang="it-IT" dirty="0" err="1"/>
+              <a:t>Foreign</a:t>
+            </a:r>
+            <a:r>
+              <a:rPr lang="it-IT" dirty="0"/>
+              <a:t> </a:t>
+            </a:r>
+            <a:r>
+              <a:rPr lang="it-IT" dirty="0" err="1"/>
+              <a:t>keys</a:t>
+            </a:r>
+            <a:endParaRPr lang="it-IT" dirty="0"/>
           </a:p>
         </p:txBody>
       </p:sp>
@@ -4788,9 +5483,18 @@
           <a:lstStyle/>
           <a:p>
             <a:r>
-              <a:rPr lang="it-IT" dirty="0"/>
-              <a:t>Vincoli d’integrità extrarelazionali</a:t>
-            </a:r>
+              <a:rPr lang="it-IT" dirty="0" err="1"/>
+              <a:t>Foreign</a:t>
+            </a:r>
+            <a:r>
+              <a:rPr lang="it-IT" dirty="0"/>
+              <a:t> </a:t>
+            </a:r>
+            <a:r>
+              <a:rPr lang="it-IT" dirty="0" err="1"/>
+              <a:t>keys</a:t>
+            </a:r>
+            <a:endParaRPr lang="it-IT" dirty="0"/>
           </a:p>
         </p:txBody>
       </p:sp>
